--- a/lectures/Rolling Horizon Evolution 2019.pptx
+++ b/lectures/Rolling Horizon Evolution 2019.pptx
@@ -5,7 +5,7 @@
     <p:sldMasterId id="2147483660" r:id="rId1"/>
   </p:sldMasterIdLst>
   <p:notesMasterIdLst>
-    <p:notesMasterId r:id="rId48"/>
+    <p:notesMasterId r:id="rId49"/>
   </p:notesMasterIdLst>
   <p:sldIdLst>
     <p:sldId id="256" r:id="rId2"/>
@@ -33,27 +33,28 @@
     <p:sldId id="462" r:id="rId24"/>
     <p:sldId id="460" r:id="rId25"/>
     <p:sldId id="461" r:id="rId26"/>
-    <p:sldId id="434" r:id="rId27"/>
-    <p:sldId id="466" r:id="rId28"/>
-    <p:sldId id="436" r:id="rId29"/>
-    <p:sldId id="438" r:id="rId30"/>
-    <p:sldId id="437" r:id="rId31"/>
-    <p:sldId id="439" r:id="rId32"/>
-    <p:sldId id="442" r:id="rId33"/>
-    <p:sldId id="440" r:id="rId34"/>
-    <p:sldId id="447" r:id="rId35"/>
-    <p:sldId id="448" r:id="rId36"/>
-    <p:sldId id="456" r:id="rId37"/>
-    <p:sldId id="468" r:id="rId38"/>
-    <p:sldId id="273" r:id="rId39"/>
-    <p:sldId id="317" r:id="rId40"/>
-    <p:sldId id="275" r:id="rId41"/>
-    <p:sldId id="467" r:id="rId42"/>
-    <p:sldId id="508" r:id="rId43"/>
-    <p:sldId id="509" r:id="rId44"/>
-    <p:sldId id="505" r:id="rId45"/>
-    <p:sldId id="506" r:id="rId46"/>
-    <p:sldId id="507" r:id="rId47"/>
+    <p:sldId id="261" r:id="rId27"/>
+    <p:sldId id="434" r:id="rId28"/>
+    <p:sldId id="466" r:id="rId29"/>
+    <p:sldId id="436" r:id="rId30"/>
+    <p:sldId id="438" r:id="rId31"/>
+    <p:sldId id="437" r:id="rId32"/>
+    <p:sldId id="439" r:id="rId33"/>
+    <p:sldId id="442" r:id="rId34"/>
+    <p:sldId id="440" r:id="rId35"/>
+    <p:sldId id="447" r:id="rId36"/>
+    <p:sldId id="448" r:id="rId37"/>
+    <p:sldId id="456" r:id="rId38"/>
+    <p:sldId id="468" r:id="rId39"/>
+    <p:sldId id="273" r:id="rId40"/>
+    <p:sldId id="317" r:id="rId41"/>
+    <p:sldId id="275" r:id="rId42"/>
+    <p:sldId id="467" r:id="rId43"/>
+    <p:sldId id="508" r:id="rId44"/>
+    <p:sldId id="509" r:id="rId45"/>
+    <p:sldId id="505" r:id="rId46"/>
+    <p:sldId id="506" r:id="rId47"/>
+    <p:sldId id="507" r:id="rId48"/>
   </p:sldIdLst>
   <p:sldSz cx="12192000" cy="6858000"/>
   <p:notesSz cx="6858000" cy="9144000"/>
@@ -935,6 +936,93 @@
     <p:extLst>
       <p:ext uri="{BB962C8B-B14F-4D97-AF65-F5344CB8AC3E}">
         <p14:creationId xmlns:p14="http://schemas.microsoft.com/office/powerpoint/2010/main" val="826008468"/>
+      </p:ext>
+    </p:extLst>
+  </p:cSld>
+  <p:clrMapOvr>
+    <a:masterClrMapping/>
+  </p:clrMapOvr>
+</p:notes>
+</file>
+
+<file path=ppt/notesSlides/notesSlide6.xml><?xml version="1.0" encoding="utf-8"?>
+<p:notes xmlns:a="http://schemas.openxmlformats.org/drawingml/2006/main" xmlns:r="http://schemas.openxmlformats.org/officeDocument/2006/relationships" xmlns:p="http://schemas.openxmlformats.org/presentationml/2006/main">
+  <p:cSld>
+    <p:spTree>
+      <p:nvGrpSpPr>
+        <p:cNvPr id="1" name=""/>
+        <p:cNvGrpSpPr/>
+        <p:nvPr/>
+      </p:nvGrpSpPr>
+      <p:grpSpPr>
+        <a:xfrm>
+          <a:off x="0" y="0"/>
+          <a:ext cx="0" cy="0"/>
+          <a:chOff x="0" y="0"/>
+          <a:chExt cx="0" cy="0"/>
+        </a:xfrm>
+      </p:grpSpPr>
+      <p:sp>
+        <p:nvSpPr>
+          <p:cNvPr id="2" name="Slide Image Placeholder 1"/>
+          <p:cNvSpPr>
+            <a:spLocks noGrp="1" noRot="1" noChangeAspect="1"/>
+          </p:cNvSpPr>
+          <p:nvPr>
+            <p:ph type="sldImg"/>
+          </p:nvPr>
+        </p:nvSpPr>
+        <p:spPr/>
+      </p:sp>
+      <p:sp>
+        <p:nvSpPr>
+          <p:cNvPr id="3" name="Notes Placeholder 2"/>
+          <p:cNvSpPr>
+            <a:spLocks noGrp="1"/>
+          </p:cNvSpPr>
+          <p:nvPr>
+            <p:ph type="body" idx="1"/>
+          </p:nvPr>
+        </p:nvSpPr>
+        <p:spPr/>
+        <p:txBody>
+          <a:bodyPr/>
+          <a:lstStyle/>
+          <a:p>
+            <a:r>
+              <a:rPr lang="en-US" dirty="0"/>
+              <a:t>Check out what this means!!!</a:t>
+            </a:r>
+          </a:p>
+        </p:txBody>
+      </p:sp>
+      <p:sp>
+        <p:nvSpPr>
+          <p:cNvPr id="4" name="Slide Number Placeholder 3"/>
+          <p:cNvSpPr>
+            <a:spLocks noGrp="1"/>
+          </p:cNvSpPr>
+          <p:nvPr>
+            <p:ph type="sldNum" sz="quarter" idx="5"/>
+          </p:nvPr>
+        </p:nvSpPr>
+        <p:spPr/>
+        <p:txBody>
+          <a:bodyPr/>
+          <a:lstStyle/>
+          <a:p>
+            <a:fld id="{3E818362-D73A-CB42-A4A1-F65E2F24140A}" type="slidenum">
+              <a:rPr lang="en-US" smtClean="0"/>
+              <a:t>26</a:t>
+            </a:fld>
+            <a:endParaRPr lang="en-US"/>
+          </a:p>
+        </p:txBody>
+      </p:sp>
+    </p:spTree>
+    <p:extLst>
+      <p:ext uri="{BB962C8B-B14F-4D97-AF65-F5344CB8AC3E}">
+        <p14:creationId xmlns:p14="http://schemas.microsoft.com/office/powerpoint/2010/main" val="821700608"/>
       </p:ext>
     </p:extLst>
   </p:cSld>
@@ -9886,6 +9974,173 @@
           <p:cNvPr id="2" name="Title 1">
             <a:extLst>
               <a:ext uri="{FF2B5EF4-FFF2-40B4-BE49-F238E27FC236}">
+                <a16:creationId xmlns:a16="http://schemas.microsoft.com/office/drawing/2014/main" id="{132512BE-E2AA-6F41-8966-64262C2B0A46}"/>
+              </a:ext>
+            </a:extLst>
+          </p:cNvPr>
+          <p:cNvSpPr>
+            <a:spLocks noGrp="1"/>
+          </p:cNvSpPr>
+          <p:nvPr>
+            <p:ph type="title"/>
+          </p:nvPr>
+        </p:nvSpPr>
+        <p:spPr/>
+        <p:txBody>
+          <a:bodyPr/>
+          <a:lstStyle/>
+          <a:p>
+            <a:r>
+              <a:rPr lang="en-US" dirty="0"/>
+              <a:t>Test Game: Simplified Planet Wars</a:t>
+            </a:r>
+          </a:p>
+        </p:txBody>
+      </p:sp>
+      <p:sp>
+        <p:nvSpPr>
+          <p:cNvPr id="3" name="Content Placeholder 2">
+            <a:extLst>
+              <a:ext uri="{FF2B5EF4-FFF2-40B4-BE49-F238E27FC236}">
+                <a16:creationId xmlns:a16="http://schemas.microsoft.com/office/drawing/2014/main" id="{591A7210-42FF-3D46-8AD5-00A68D125037}"/>
+              </a:ext>
+            </a:extLst>
+          </p:cNvPr>
+          <p:cNvSpPr>
+            <a:spLocks noGrp="1"/>
+          </p:cNvSpPr>
+          <p:nvPr>
+            <p:ph idx="1"/>
+          </p:nvPr>
+        </p:nvSpPr>
+        <p:spPr>
+          <a:xfrm>
+            <a:off x="658368" y="1825624"/>
+            <a:ext cx="5136790" cy="4745863"/>
+          </a:xfrm>
+        </p:spPr>
+        <p:txBody>
+          <a:bodyPr>
+            <a:normAutofit fontScale="77500" lnSpcReduction="20000"/>
+          </a:bodyPr>
+          <a:lstStyle/>
+          <a:p>
+            <a:r>
+              <a:rPr lang="en-US" dirty="0"/>
+              <a:t>Random initial states (ownership, planet sizes and number of ships)</a:t>
+            </a:r>
+          </a:p>
+          <a:p>
+            <a:r>
+              <a:rPr lang="en-US" dirty="0"/>
+              <a:t>Each disc is a planet showing the number of ships and ownership (+</a:t>
+            </a:r>
+            <a:r>
+              <a:rPr lang="en-US" dirty="0" err="1"/>
+              <a:t>ve</a:t>
+            </a:r>
+            <a:r>
+              <a:rPr lang="en-US" dirty="0"/>
+              <a:t> green)</a:t>
+            </a:r>
+          </a:p>
+          <a:p>
+            <a:r>
+              <a:rPr lang="en-US" dirty="0"/>
+              <a:t>Planets grow ships are rate proportional to their size</a:t>
+            </a:r>
+          </a:p>
+          <a:p>
+            <a:r>
+              <a:rPr lang="en-US" dirty="0"/>
+              <a:t>Ships can only be transferred via each player’s buffer and their planet of focus</a:t>
+            </a:r>
+          </a:p>
+          <a:p>
+            <a:r>
+              <a:rPr lang="en-US" dirty="0"/>
+              <a:t>Aim: wipe out opponent, or have most ships at time limit</a:t>
+            </a:r>
+          </a:p>
+          <a:p>
+            <a:r>
+              <a:rPr lang="en-US" dirty="0"/>
+              <a:t>Win/loss game (player is only rewarded for winning, margin does not matter)</a:t>
+            </a:r>
+          </a:p>
+          <a:p>
+            <a:r>
+              <a:rPr lang="en-US" dirty="0"/>
+              <a:t>Constant speed irrespective of number of planets</a:t>
+            </a:r>
+          </a:p>
+        </p:txBody>
+      </p:sp>
+      <p:pic>
+        <p:nvPicPr>
+          <p:cNvPr id="4" name="Picture 3">
+            <a:extLst>
+              <a:ext uri="{FF2B5EF4-FFF2-40B4-BE49-F238E27FC236}">
+                <a16:creationId xmlns:a16="http://schemas.microsoft.com/office/drawing/2014/main" id="{E965B035-0D31-EC40-830A-69D4DD2F1190}"/>
+              </a:ext>
+            </a:extLst>
+          </p:cNvPr>
+          <p:cNvPicPr>
+            <a:picLocks noChangeAspect="1"/>
+          </p:cNvPicPr>
+          <p:nvPr/>
+        </p:nvPicPr>
+        <p:blipFill>
+          <a:blip r:embed="rId3"/>
+          <a:stretch>
+            <a:fillRect/>
+          </a:stretch>
+        </p:blipFill>
+        <p:spPr>
+          <a:xfrm>
+            <a:off x="5795158" y="1574439"/>
+            <a:ext cx="6172652" cy="4853709"/>
+          </a:xfrm>
+          <a:prstGeom prst="rect">
+            <a:avLst/>
+          </a:prstGeom>
+        </p:spPr>
+      </p:pic>
+    </p:spTree>
+    <p:extLst>
+      <p:ext uri="{BB962C8B-B14F-4D97-AF65-F5344CB8AC3E}">
+        <p14:creationId xmlns:p14="http://schemas.microsoft.com/office/powerpoint/2010/main" val="2575833141"/>
+      </p:ext>
+    </p:extLst>
+  </p:cSld>
+  <p:clrMapOvr>
+    <a:masterClrMapping/>
+  </p:clrMapOvr>
+</p:sld>
+</file>
+
+<file path=ppt/slides/slide27.xml><?xml version="1.0" encoding="utf-8"?>
+<p:sld xmlns:a="http://schemas.openxmlformats.org/drawingml/2006/main" xmlns:r="http://schemas.openxmlformats.org/officeDocument/2006/relationships" xmlns:p="http://schemas.openxmlformats.org/presentationml/2006/main">
+  <p:cSld>
+    <p:spTree>
+      <p:nvGrpSpPr>
+        <p:cNvPr id="1" name=""/>
+        <p:cNvGrpSpPr/>
+        <p:nvPr/>
+      </p:nvGrpSpPr>
+      <p:grpSpPr>
+        <a:xfrm>
+          <a:off x="0" y="0"/>
+          <a:ext cx="0" cy="0"/>
+          <a:chOff x="0" y="0"/>
+          <a:chExt cx="0" cy="0"/>
+        </a:xfrm>
+      </p:grpSpPr>
+      <p:sp>
+        <p:nvSpPr>
+          <p:cNvPr id="2" name="Title 1">
+            <a:extLst>
+              <a:ext uri="{FF2B5EF4-FFF2-40B4-BE49-F238E27FC236}">
                 <a16:creationId xmlns:a16="http://schemas.microsoft.com/office/drawing/2014/main" id="{F9702ABF-4811-E44F-890E-81763B5C0243}"/>
               </a:ext>
             </a:extLst>
@@ -9958,103 +10213,6 @@
 </p:sld>
 </file>
 
-<file path=ppt/slides/slide27.xml><?xml version="1.0" encoding="utf-8"?>
-<p:sld xmlns:a="http://schemas.openxmlformats.org/drawingml/2006/main" xmlns:r="http://schemas.openxmlformats.org/officeDocument/2006/relationships" xmlns:p="http://schemas.openxmlformats.org/presentationml/2006/main">
-  <p:cSld>
-    <p:spTree>
-      <p:nvGrpSpPr>
-        <p:cNvPr id="1" name=""/>
-        <p:cNvGrpSpPr/>
-        <p:nvPr/>
-      </p:nvGrpSpPr>
-      <p:grpSpPr>
-        <a:xfrm>
-          <a:off x="0" y="0"/>
-          <a:ext cx="0" cy="0"/>
-          <a:chOff x="0" y="0"/>
-          <a:chExt cx="0" cy="0"/>
-        </a:xfrm>
-      </p:grpSpPr>
-      <p:sp>
-        <p:nvSpPr>
-          <p:cNvPr id="2" name="Title 1">
-            <a:extLst>
-              <a:ext uri="{FF2B5EF4-FFF2-40B4-BE49-F238E27FC236}">
-                <a16:creationId xmlns:a16="http://schemas.microsoft.com/office/drawing/2014/main" id="{F815068A-7854-3447-AE8B-5FF16A94D1B8}"/>
-              </a:ext>
-            </a:extLst>
-          </p:cNvPr>
-          <p:cNvSpPr>
-            <a:spLocks noGrp="1"/>
-          </p:cNvSpPr>
-          <p:nvPr>
-            <p:ph type="title"/>
-          </p:nvPr>
-        </p:nvSpPr>
-        <p:spPr/>
-        <p:txBody>
-          <a:bodyPr/>
-          <a:lstStyle/>
-          <a:p>
-            <a:r>
-              <a:rPr lang="en-US" dirty="0"/>
-              <a:t>Observing the Rollout Scores</a:t>
-            </a:r>
-          </a:p>
-        </p:txBody>
-      </p:sp>
-      <p:sp>
-        <p:nvSpPr>
-          <p:cNvPr id="3" name="Content Placeholder 2">
-            <a:extLst>
-              <a:ext uri="{FF2B5EF4-FFF2-40B4-BE49-F238E27FC236}">
-                <a16:creationId xmlns:a16="http://schemas.microsoft.com/office/drawing/2014/main" id="{985D3A09-E72E-1048-A8A1-906CA72DB97D}"/>
-              </a:ext>
-            </a:extLst>
-          </p:cNvPr>
-          <p:cNvSpPr>
-            <a:spLocks noGrp="1"/>
-          </p:cNvSpPr>
-          <p:nvPr>
-            <p:ph idx="1"/>
-          </p:nvPr>
-        </p:nvSpPr>
-        <p:spPr/>
-        <p:txBody>
-          <a:bodyPr/>
-          <a:lstStyle/>
-          <a:p>
-            <a:r>
-              <a:rPr lang="en-US" dirty="0"/>
-              <a:t>The following is the exact same version of Simplified </a:t>
-            </a:r>
-            <a:r>
-              <a:rPr lang="en-US" dirty="0" err="1"/>
-              <a:t>PlanetWars</a:t>
-            </a:r>
-            <a:endParaRPr lang="en-US" dirty="0"/>
-          </a:p>
-          <a:p>
-            <a:r>
-              <a:rPr lang="en-US" dirty="0"/>
-              <a:t>Only differs in whether transit ships are included in the score</a:t>
-            </a:r>
-          </a:p>
-        </p:txBody>
-      </p:sp>
-    </p:spTree>
-    <p:extLst>
-      <p:ext uri="{BB962C8B-B14F-4D97-AF65-F5344CB8AC3E}">
-        <p14:creationId xmlns:p14="http://schemas.microsoft.com/office/powerpoint/2010/main" val="760320654"/>
-      </p:ext>
-    </p:extLst>
-  </p:cSld>
-  <p:clrMapOvr>
-    <a:masterClrMapping/>
-  </p:clrMapOvr>
-</p:sld>
-</file>
-
 <file path=ppt/slides/slide28.xml><?xml version="1.0" encoding="utf-8"?>
 <p:sld xmlns:a="http://schemas.openxmlformats.org/drawingml/2006/main" xmlns:r="http://schemas.openxmlformats.org/officeDocument/2006/relationships" xmlns:p="http://schemas.openxmlformats.org/presentationml/2006/main">
   <p:cSld>
@@ -10077,7 +10235,7 @@
           <p:cNvPr id="2" name="Title 1">
             <a:extLst>
               <a:ext uri="{FF2B5EF4-FFF2-40B4-BE49-F238E27FC236}">
-                <a16:creationId xmlns:a16="http://schemas.microsoft.com/office/drawing/2014/main" id="{CC1E3998-4B61-194A-B637-A2A8B8AAC810}"/>
+                <a16:creationId xmlns:a16="http://schemas.microsoft.com/office/drawing/2014/main" id="{F815068A-7854-3447-AE8B-5FF16A94D1B8}"/>
               </a:ext>
             </a:extLst>
           </p:cNvPr>
@@ -10095,44 +10253,54 @@
           <a:p>
             <a:r>
               <a:rPr lang="en-US" dirty="0"/>
-              <a:t>Plotting game score versus position in rollout (action sequence) – buffers included</a:t>
-            </a:r>
-          </a:p>
-        </p:txBody>
-      </p:sp>
-      <p:pic>
-        <p:nvPicPr>
-          <p:cNvPr id="5" name="Content Placeholder 4">
+              <a:t>Observing the Rollout Scores</a:t>
+            </a:r>
+          </a:p>
+        </p:txBody>
+      </p:sp>
+      <p:sp>
+        <p:nvSpPr>
+          <p:cNvPr id="3" name="Content Placeholder 2">
             <a:extLst>
               <a:ext uri="{FF2B5EF4-FFF2-40B4-BE49-F238E27FC236}">
-                <a16:creationId xmlns:a16="http://schemas.microsoft.com/office/drawing/2014/main" id="{DE845E1D-09D1-2046-9B5B-5F48FEA643BE}"/>
+                <a16:creationId xmlns:a16="http://schemas.microsoft.com/office/drawing/2014/main" id="{985D3A09-E72E-1048-A8A1-906CA72DB97D}"/>
               </a:ext>
             </a:extLst>
           </p:cNvPr>
-          <p:cNvPicPr>
-            <a:picLocks noGrp="1" noChangeAspect="1"/>
-          </p:cNvPicPr>
+          <p:cNvSpPr>
+            <a:spLocks noGrp="1"/>
+          </p:cNvSpPr>
           <p:nvPr>
             <p:ph idx="1"/>
           </p:nvPr>
-        </p:nvPicPr>
-        <p:blipFill>
-          <a:blip r:embed="rId2"/>
-          <a:stretch>
-            <a:fillRect/>
-          </a:stretch>
-        </p:blipFill>
-        <p:spPr>
-          <a:xfrm>
-            <a:off x="3645980" y="1825625"/>
-            <a:ext cx="4900040" cy="4351338"/>
-          </a:xfrm>
-        </p:spPr>
-      </p:pic>
+        </p:nvSpPr>
+        <p:spPr/>
+        <p:txBody>
+          <a:bodyPr/>
+          <a:lstStyle/>
+          <a:p>
+            <a:r>
+              <a:rPr lang="en-US" dirty="0"/>
+              <a:t>The following is the exact same version of Simplified </a:t>
+            </a:r>
+            <a:r>
+              <a:rPr lang="en-US" dirty="0" err="1"/>
+              <a:t>PlanetWars</a:t>
+            </a:r>
+            <a:endParaRPr lang="en-US" dirty="0"/>
+          </a:p>
+          <a:p>
+            <a:r>
+              <a:rPr lang="en-US" dirty="0"/>
+              <a:t>Only differs in whether transit ships are included in the score</a:t>
+            </a:r>
+          </a:p>
+        </p:txBody>
+      </p:sp>
     </p:spTree>
     <p:extLst>
       <p:ext uri="{BB962C8B-B14F-4D97-AF65-F5344CB8AC3E}">
-        <p14:creationId xmlns:p14="http://schemas.microsoft.com/office/powerpoint/2010/main" val="950933951"/>
+        <p14:creationId xmlns:p14="http://schemas.microsoft.com/office/powerpoint/2010/main" val="760320654"/>
       </p:ext>
     </p:extLst>
   </p:cSld>
@@ -10182,17 +10350,17 @@
           <a:p>
             <a:r>
               <a:rPr lang="en-US" dirty="0"/>
-              <a:t>Plotting game score versus position in rollout (action sequence) – buffers not included</a:t>
+              <a:t>Plotting game score versus position in rollout (action sequence) – buffers included</a:t>
             </a:r>
           </a:p>
         </p:txBody>
       </p:sp>
       <p:pic>
         <p:nvPicPr>
-          <p:cNvPr id="7" name="Content Placeholder 6">
+          <p:cNvPr id="5" name="Content Placeholder 4">
             <a:extLst>
               <a:ext uri="{FF2B5EF4-FFF2-40B4-BE49-F238E27FC236}">
-                <a16:creationId xmlns:a16="http://schemas.microsoft.com/office/drawing/2014/main" id="{EC72EACD-37C8-7845-97CB-CC2D7856F300}"/>
+                <a16:creationId xmlns:a16="http://schemas.microsoft.com/office/drawing/2014/main" id="{DE845E1D-09D1-2046-9B5B-5F48FEA643BE}"/>
               </a:ext>
             </a:extLst>
           </p:cNvPr>
@@ -10211,15 +10379,15 @@
         </p:blipFill>
         <p:spPr>
           <a:xfrm>
-            <a:off x="3755785" y="1825625"/>
-            <a:ext cx="4680430" cy="4351338"/>
+            <a:off x="3645980" y="1825625"/>
+            <a:ext cx="4900040" cy="4351338"/>
           </a:xfrm>
         </p:spPr>
       </p:pic>
     </p:spTree>
     <p:extLst>
       <p:ext uri="{BB962C8B-B14F-4D97-AF65-F5344CB8AC3E}">
-        <p14:creationId xmlns:p14="http://schemas.microsoft.com/office/powerpoint/2010/main" val="440477829"/>
+        <p14:creationId xmlns:p14="http://schemas.microsoft.com/office/powerpoint/2010/main" val="950933951"/>
       </p:ext>
     </p:extLst>
   </p:cSld>
@@ -10371,6 +10539,93 @@
           <p:cNvPr id="2" name="Title 1">
             <a:extLst>
               <a:ext uri="{FF2B5EF4-FFF2-40B4-BE49-F238E27FC236}">
+                <a16:creationId xmlns:a16="http://schemas.microsoft.com/office/drawing/2014/main" id="{CC1E3998-4B61-194A-B637-A2A8B8AAC810}"/>
+              </a:ext>
+            </a:extLst>
+          </p:cNvPr>
+          <p:cNvSpPr>
+            <a:spLocks noGrp="1"/>
+          </p:cNvSpPr>
+          <p:nvPr>
+            <p:ph type="title"/>
+          </p:nvPr>
+        </p:nvSpPr>
+        <p:spPr/>
+        <p:txBody>
+          <a:bodyPr/>
+          <a:lstStyle/>
+          <a:p>
+            <a:r>
+              <a:rPr lang="en-US" dirty="0"/>
+              <a:t>Plotting game score versus position in rollout (action sequence) – buffers not included</a:t>
+            </a:r>
+          </a:p>
+        </p:txBody>
+      </p:sp>
+      <p:pic>
+        <p:nvPicPr>
+          <p:cNvPr id="7" name="Content Placeholder 6">
+            <a:extLst>
+              <a:ext uri="{FF2B5EF4-FFF2-40B4-BE49-F238E27FC236}">
+                <a16:creationId xmlns:a16="http://schemas.microsoft.com/office/drawing/2014/main" id="{EC72EACD-37C8-7845-97CB-CC2D7856F300}"/>
+              </a:ext>
+            </a:extLst>
+          </p:cNvPr>
+          <p:cNvPicPr>
+            <a:picLocks noGrp="1" noChangeAspect="1"/>
+          </p:cNvPicPr>
+          <p:nvPr>
+            <p:ph idx="1"/>
+          </p:nvPr>
+        </p:nvPicPr>
+        <p:blipFill>
+          <a:blip r:embed="rId2"/>
+          <a:stretch>
+            <a:fillRect/>
+          </a:stretch>
+        </p:blipFill>
+        <p:spPr>
+          <a:xfrm>
+            <a:off x="3755785" y="1825625"/>
+            <a:ext cx="4680430" cy="4351338"/>
+          </a:xfrm>
+        </p:spPr>
+      </p:pic>
+    </p:spTree>
+    <p:extLst>
+      <p:ext uri="{BB962C8B-B14F-4D97-AF65-F5344CB8AC3E}">
+        <p14:creationId xmlns:p14="http://schemas.microsoft.com/office/powerpoint/2010/main" val="440477829"/>
+      </p:ext>
+    </p:extLst>
+  </p:cSld>
+  <p:clrMapOvr>
+    <a:masterClrMapping/>
+  </p:clrMapOvr>
+</p:sld>
+</file>
+
+<file path=ppt/slides/slide31.xml><?xml version="1.0" encoding="utf-8"?>
+<p:sld xmlns:a="http://schemas.openxmlformats.org/drawingml/2006/main" xmlns:r="http://schemas.openxmlformats.org/officeDocument/2006/relationships" xmlns:p="http://schemas.openxmlformats.org/presentationml/2006/main">
+  <p:cSld>
+    <p:spTree>
+      <p:nvGrpSpPr>
+        <p:cNvPr id="1" name=""/>
+        <p:cNvGrpSpPr/>
+        <p:nvPr/>
+      </p:nvGrpSpPr>
+      <p:grpSpPr>
+        <a:xfrm>
+          <a:off x="0" y="0"/>
+          <a:ext cx="0" cy="0"/>
+          <a:chOff x="0" y="0"/>
+          <a:chExt cx="0" cy="0"/>
+        </a:xfrm>
+      </p:grpSpPr>
+      <p:sp>
+        <p:nvSpPr>
+          <p:cNvPr id="2" name="Title 1">
+            <a:extLst>
+              <a:ext uri="{FF2B5EF4-FFF2-40B4-BE49-F238E27FC236}">
                 <a16:creationId xmlns:a16="http://schemas.microsoft.com/office/drawing/2014/main" id="{ACF4CA29-EC6E-4E41-9874-6A5AE2530144}"/>
               </a:ext>
             </a:extLst>
@@ -10436,7 +10691,7 @@
 </p:sld>
 </file>
 
-<file path=ppt/slides/slide31.xml><?xml version="1.0" encoding="utf-8"?>
+<file path=ppt/slides/slide32.xml><?xml version="1.0" encoding="utf-8"?>
 <p:sld xmlns:a="http://schemas.openxmlformats.org/drawingml/2006/main" xmlns:r="http://schemas.openxmlformats.org/officeDocument/2006/relationships" xmlns:p="http://schemas.openxmlformats.org/presentationml/2006/main">
   <p:cSld>
     <p:spTree>
@@ -10523,7 +10778,7 @@
 </p:sld>
 </file>
 
-<file path=ppt/slides/slide32.xml><?xml version="1.0" encoding="utf-8"?>
+<file path=ppt/slides/slide33.xml><?xml version="1.0" encoding="utf-8"?>
 <p:sld xmlns:a="http://schemas.openxmlformats.org/drawingml/2006/main" xmlns:r="http://schemas.openxmlformats.org/officeDocument/2006/relationships" xmlns:p="http://schemas.openxmlformats.org/presentationml/2006/main">
   <p:cSld>
     <p:spTree>
@@ -10739,7 +10994,7 @@
 </p:sld>
 </file>
 
-<file path=ppt/slides/slide33.xml><?xml version="1.0" encoding="utf-8"?>
+<file path=ppt/slides/slide34.xml><?xml version="1.0" encoding="utf-8"?>
 <p:sld xmlns:a="http://schemas.openxmlformats.org/drawingml/2006/main" xmlns:r="http://schemas.openxmlformats.org/officeDocument/2006/relationships" xmlns:p="http://schemas.openxmlformats.org/presentationml/2006/main">
   <p:cSld>
     <p:spTree>
@@ -10833,163 +11088,6 @@
 </p:sld>
 </file>
 
-<file path=ppt/slides/slide34.xml><?xml version="1.0" encoding="utf-8"?>
-<p:sld xmlns:a="http://schemas.openxmlformats.org/drawingml/2006/main" xmlns:r="http://schemas.openxmlformats.org/officeDocument/2006/relationships" xmlns:p="http://schemas.openxmlformats.org/presentationml/2006/main">
-  <p:cSld>
-    <p:spTree>
-      <p:nvGrpSpPr>
-        <p:cNvPr id="1" name=""/>
-        <p:cNvGrpSpPr/>
-        <p:nvPr/>
-      </p:nvGrpSpPr>
-      <p:grpSpPr>
-        <a:xfrm>
-          <a:off x="0" y="0"/>
-          <a:ext cx="0" cy="0"/>
-          <a:chOff x="0" y="0"/>
-          <a:chExt cx="0" cy="0"/>
-        </a:xfrm>
-      </p:grpSpPr>
-      <p:sp>
-        <p:nvSpPr>
-          <p:cNvPr id="2" name="Title 1">
-            <a:extLst>
-              <a:ext uri="{FF2B5EF4-FFF2-40B4-BE49-F238E27FC236}">
-                <a16:creationId xmlns:a16="http://schemas.microsoft.com/office/drawing/2014/main" id="{91D99DA0-A5E8-634D-AF3B-7866F0D55368}"/>
-              </a:ext>
-            </a:extLst>
-          </p:cNvPr>
-          <p:cNvSpPr>
-            <a:spLocks noGrp="1"/>
-          </p:cNvSpPr>
-          <p:nvPr>
-            <p:ph type="title"/>
-          </p:nvPr>
-        </p:nvSpPr>
-        <p:spPr/>
-        <p:txBody>
-          <a:bodyPr/>
-          <a:lstStyle/>
-          <a:p>
-            <a:r>
-              <a:rPr lang="en-US" dirty="0"/>
-              <a:t>So What is New?</a:t>
-            </a:r>
-          </a:p>
-        </p:txBody>
-      </p:sp>
-      <p:sp>
-        <p:nvSpPr>
-          <p:cNvPr id="3" name="Content Placeholder 2">
-            <a:extLst>
-              <a:ext uri="{FF2B5EF4-FFF2-40B4-BE49-F238E27FC236}">
-                <a16:creationId xmlns:a16="http://schemas.microsoft.com/office/drawing/2014/main" id="{C32E7700-F065-5645-8912-83714F5D168A}"/>
-              </a:ext>
-            </a:extLst>
-          </p:cNvPr>
-          <p:cNvSpPr>
-            <a:spLocks noGrp="1"/>
-          </p:cNvSpPr>
-          <p:nvPr>
-            <p:ph idx="1"/>
-          </p:nvPr>
-        </p:nvSpPr>
-        <p:spPr/>
-        <p:txBody>
-          <a:bodyPr/>
-          <a:lstStyle/>
-          <a:p>
-            <a:r>
-              <a:rPr lang="en-US" dirty="0"/>
-              <a:t>We’ve been playing with RHEA for a few years now</a:t>
-            </a:r>
-          </a:p>
-          <a:p>
-            <a:r>
-              <a:rPr lang="en-US" dirty="0"/>
-              <a:t>But recently:</a:t>
-            </a:r>
-          </a:p>
-          <a:p>
-            <a:pPr lvl="1"/>
-            <a:r>
-              <a:rPr lang="en-US" dirty="0"/>
-              <a:t>Have tuned it better</a:t>
-            </a:r>
-          </a:p>
-          <a:p>
-            <a:pPr lvl="1"/>
-            <a:r>
-              <a:rPr lang="en-US" dirty="0"/>
-              <a:t>Use long rollouts when needed</a:t>
-            </a:r>
-          </a:p>
-          <a:p>
-            <a:pPr lvl="2"/>
-            <a:r>
-              <a:rPr lang="en-US" b="1" dirty="0"/>
-              <a:t>Length &gt; 100 may be good</a:t>
-            </a:r>
-          </a:p>
-          <a:p>
-            <a:pPr lvl="1"/>
-            <a:r>
-              <a:rPr lang="en-US" b="1" dirty="0"/>
-              <a:t>Discount factor where needed</a:t>
-            </a:r>
-          </a:p>
-          <a:p>
-            <a:pPr lvl="1"/>
-            <a:r>
-              <a:rPr lang="en-US" dirty="0"/>
-              <a:t>Normally MUCH better to use a </a:t>
-            </a:r>
-            <a:r>
-              <a:rPr lang="en-US" b="1" dirty="0"/>
-              <a:t>shift buffer</a:t>
-            </a:r>
-          </a:p>
-          <a:p>
-            <a:pPr lvl="1"/>
-            <a:r>
-              <a:rPr lang="en-US" dirty="0"/>
-              <a:t>Often good to use </a:t>
-            </a:r>
-            <a:r>
-              <a:rPr lang="en-US" b="1" dirty="0"/>
-              <a:t>large mutation strength</a:t>
-            </a:r>
-          </a:p>
-          <a:p>
-            <a:pPr lvl="1"/>
-            <a:r>
-              <a:rPr lang="en-US" dirty="0"/>
-              <a:t>Evolutionary algorithm: </a:t>
-            </a:r>
-            <a:r>
-              <a:rPr lang="en-US" b="1" dirty="0"/>
-              <a:t>(1+1) EA</a:t>
-            </a:r>
-            <a:r>
-              <a:rPr lang="en-US" dirty="0"/>
-              <a:t> gives competitive performance</a:t>
-            </a:r>
-          </a:p>
-        </p:txBody>
-      </p:sp>
-    </p:spTree>
-    <p:extLst>
-      <p:ext uri="{BB962C8B-B14F-4D97-AF65-F5344CB8AC3E}">
-        <p14:creationId xmlns:p14="http://schemas.microsoft.com/office/powerpoint/2010/main" val="1490233914"/>
-      </p:ext>
-    </p:extLst>
-  </p:cSld>
-  <p:clrMapOvr>
-    <a:masterClrMapping/>
-  </p:clrMapOvr>
-</p:sld>
-</file>
-
 <file path=ppt/slides/slide35.xml><?xml version="1.0" encoding="utf-8"?>
 <p:sld xmlns:a="http://schemas.openxmlformats.org/drawingml/2006/main" xmlns:r="http://schemas.openxmlformats.org/officeDocument/2006/relationships" xmlns:p="http://schemas.openxmlformats.org/presentationml/2006/main">
   <p:cSld>
@@ -11012,6 +11110,163 @@
           <p:cNvPr id="2" name="Title 1">
             <a:extLst>
               <a:ext uri="{FF2B5EF4-FFF2-40B4-BE49-F238E27FC236}">
+                <a16:creationId xmlns:a16="http://schemas.microsoft.com/office/drawing/2014/main" id="{91D99DA0-A5E8-634D-AF3B-7866F0D55368}"/>
+              </a:ext>
+            </a:extLst>
+          </p:cNvPr>
+          <p:cNvSpPr>
+            <a:spLocks noGrp="1"/>
+          </p:cNvSpPr>
+          <p:nvPr>
+            <p:ph type="title"/>
+          </p:nvPr>
+        </p:nvSpPr>
+        <p:spPr/>
+        <p:txBody>
+          <a:bodyPr/>
+          <a:lstStyle/>
+          <a:p>
+            <a:r>
+              <a:rPr lang="en-US" dirty="0"/>
+              <a:t>So What is New?</a:t>
+            </a:r>
+          </a:p>
+        </p:txBody>
+      </p:sp>
+      <p:sp>
+        <p:nvSpPr>
+          <p:cNvPr id="3" name="Content Placeholder 2">
+            <a:extLst>
+              <a:ext uri="{FF2B5EF4-FFF2-40B4-BE49-F238E27FC236}">
+                <a16:creationId xmlns:a16="http://schemas.microsoft.com/office/drawing/2014/main" id="{C32E7700-F065-5645-8912-83714F5D168A}"/>
+              </a:ext>
+            </a:extLst>
+          </p:cNvPr>
+          <p:cNvSpPr>
+            <a:spLocks noGrp="1"/>
+          </p:cNvSpPr>
+          <p:nvPr>
+            <p:ph idx="1"/>
+          </p:nvPr>
+        </p:nvSpPr>
+        <p:spPr/>
+        <p:txBody>
+          <a:bodyPr/>
+          <a:lstStyle/>
+          <a:p>
+            <a:r>
+              <a:rPr lang="en-US" dirty="0"/>
+              <a:t>We’ve been playing with RHEA for a few years now</a:t>
+            </a:r>
+          </a:p>
+          <a:p>
+            <a:r>
+              <a:rPr lang="en-US" dirty="0"/>
+              <a:t>But recently:</a:t>
+            </a:r>
+          </a:p>
+          <a:p>
+            <a:pPr lvl="1"/>
+            <a:r>
+              <a:rPr lang="en-US" dirty="0"/>
+              <a:t>Have tuned it better</a:t>
+            </a:r>
+          </a:p>
+          <a:p>
+            <a:pPr lvl="1"/>
+            <a:r>
+              <a:rPr lang="en-US" dirty="0"/>
+              <a:t>Use long rollouts when needed</a:t>
+            </a:r>
+          </a:p>
+          <a:p>
+            <a:pPr lvl="2"/>
+            <a:r>
+              <a:rPr lang="en-US" b="1" dirty="0"/>
+              <a:t>Length &gt; 100 may be good</a:t>
+            </a:r>
+          </a:p>
+          <a:p>
+            <a:pPr lvl="1"/>
+            <a:r>
+              <a:rPr lang="en-US" b="1" dirty="0"/>
+              <a:t>Discount factor where needed</a:t>
+            </a:r>
+          </a:p>
+          <a:p>
+            <a:pPr lvl="1"/>
+            <a:r>
+              <a:rPr lang="en-US" dirty="0"/>
+              <a:t>Normally MUCH better to use a </a:t>
+            </a:r>
+            <a:r>
+              <a:rPr lang="en-US" b="1" dirty="0"/>
+              <a:t>shift buffer</a:t>
+            </a:r>
+          </a:p>
+          <a:p>
+            <a:pPr lvl="1"/>
+            <a:r>
+              <a:rPr lang="en-US" dirty="0"/>
+              <a:t>Often good to use </a:t>
+            </a:r>
+            <a:r>
+              <a:rPr lang="en-US" b="1" dirty="0"/>
+              <a:t>large mutation strength</a:t>
+            </a:r>
+          </a:p>
+          <a:p>
+            <a:pPr lvl="1"/>
+            <a:r>
+              <a:rPr lang="en-US" dirty="0"/>
+              <a:t>Evolutionary algorithm: </a:t>
+            </a:r>
+            <a:r>
+              <a:rPr lang="en-US" b="1" dirty="0"/>
+              <a:t>(1+1) EA</a:t>
+            </a:r>
+            <a:r>
+              <a:rPr lang="en-US" dirty="0"/>
+              <a:t> gives competitive performance</a:t>
+            </a:r>
+          </a:p>
+        </p:txBody>
+      </p:sp>
+    </p:spTree>
+    <p:extLst>
+      <p:ext uri="{BB962C8B-B14F-4D97-AF65-F5344CB8AC3E}">
+        <p14:creationId xmlns:p14="http://schemas.microsoft.com/office/powerpoint/2010/main" val="1490233914"/>
+      </p:ext>
+    </p:extLst>
+  </p:cSld>
+  <p:clrMapOvr>
+    <a:masterClrMapping/>
+  </p:clrMapOvr>
+</p:sld>
+</file>
+
+<file path=ppt/slides/slide36.xml><?xml version="1.0" encoding="utf-8"?>
+<p:sld xmlns:a="http://schemas.openxmlformats.org/drawingml/2006/main" xmlns:r="http://schemas.openxmlformats.org/officeDocument/2006/relationships" xmlns:p="http://schemas.openxmlformats.org/presentationml/2006/main">
+  <p:cSld>
+    <p:spTree>
+      <p:nvGrpSpPr>
+        <p:cNvPr id="1" name=""/>
+        <p:cNvGrpSpPr/>
+        <p:nvPr/>
+      </p:nvGrpSpPr>
+      <p:grpSpPr>
+        <a:xfrm>
+          <a:off x="0" y="0"/>
+          <a:ext cx="0" cy="0"/>
+          <a:chOff x="0" y="0"/>
+          <a:chExt cx="0" cy="0"/>
+        </a:xfrm>
+      </p:grpSpPr>
+      <p:sp>
+        <p:nvSpPr>
+          <p:cNvPr id="2" name="Title 1">
+            <a:extLst>
+              <a:ext uri="{FF2B5EF4-FFF2-40B4-BE49-F238E27FC236}">
                 <a16:creationId xmlns:a16="http://schemas.microsoft.com/office/drawing/2014/main" id="{73611A3A-47AA-F744-B064-D939FF775B3B}"/>
               </a:ext>
             </a:extLst>
@@ -11130,7 +11385,7 @@
 </p:sld>
 </file>
 
-<file path=ppt/slides/slide36.xml><?xml version="1.0" encoding="utf-8"?>
+<file path=ppt/slides/slide37.xml><?xml version="1.0" encoding="utf-8"?>
 <p:sld xmlns:a="http://schemas.openxmlformats.org/drawingml/2006/main" xmlns:r="http://schemas.openxmlformats.org/officeDocument/2006/relationships" xmlns:p="http://schemas.openxmlformats.org/presentationml/2006/main">
   <p:cSld>
     <p:spTree>
@@ -11261,7 +11516,7 @@
 </p:sld>
 </file>
 
-<file path=ppt/slides/slide37.xml><?xml version="1.0" encoding="utf-8"?>
+<file path=ppt/slides/slide38.xml><?xml version="1.0" encoding="utf-8"?>
 <p:sld xmlns:a="http://schemas.openxmlformats.org/drawingml/2006/main" xmlns:r="http://schemas.openxmlformats.org/officeDocument/2006/relationships" xmlns:p="http://schemas.openxmlformats.org/presentationml/2006/main">
   <p:cSld>
     <p:spTree>
@@ -11899,7 +12154,7 @@
 </p:sld>
 </file>
 
-<file path=ppt/slides/slide38.xml><?xml version="1.0" encoding="utf-8"?>
+<file path=ppt/slides/slide39.xml><?xml version="1.0" encoding="utf-8"?>
 <p:sld xmlns:a="http://schemas.openxmlformats.org/drawingml/2006/main" xmlns:r="http://schemas.openxmlformats.org/officeDocument/2006/relationships" xmlns:p="http://schemas.openxmlformats.org/presentationml/2006/main">
   <p:cSld>
     <p:spTree>
@@ -12083,14 +12338,14 @@
           </a:ln>
           <a:extLst>
             <a:ext uri="{909E8E84-426E-40dd-AFC4-6F175D3DCCD1}">
-              <a14:hiddenFill xmlns:a14="http://schemas.microsoft.com/office/drawing/2010/main" xmlns="">
+              <a14:hiddenFill xmlns="" xmlns:a14="http://schemas.microsoft.com/office/drawing/2010/main">
                 <a:solidFill>
                   <a:schemeClr val="accent1"/>
                 </a:solidFill>
               </a14:hiddenFill>
             </a:ext>
             <a:ext uri="{91240B29-F687-4f45-9708-019B960494DF}">
-              <a14:hiddenLine xmlns:a14="http://schemas.microsoft.com/office/drawing/2010/main" xmlns="" w="9525">
+              <a14:hiddenLine xmlns="" xmlns:a14="http://schemas.microsoft.com/office/drawing/2010/main" w="9525">
                 <a:solidFill>
                   <a:schemeClr val="tx1"/>
                 </a:solidFill>
@@ -12137,14 +12392,14 @@
           </a:ln>
           <a:extLst>
             <a:ext uri="{909E8E84-426E-40dd-AFC4-6F175D3DCCD1}">
-              <a14:hiddenFill xmlns:a14="http://schemas.microsoft.com/office/drawing/2010/main" xmlns="">
+              <a14:hiddenFill xmlns="" xmlns:a14="http://schemas.microsoft.com/office/drawing/2010/main">
                 <a:solidFill>
                   <a:schemeClr val="accent1"/>
                 </a:solidFill>
               </a14:hiddenFill>
             </a:ext>
             <a:ext uri="{91240B29-F687-4f45-9708-019B960494DF}">
-              <a14:hiddenLine xmlns:a14="http://schemas.microsoft.com/office/drawing/2010/main" xmlns="" w="9525">
+              <a14:hiddenLine xmlns="" xmlns:a14="http://schemas.microsoft.com/office/drawing/2010/main" w="9525">
                 <a:solidFill>
                   <a:schemeClr val="tx1"/>
                 </a:solidFill>
@@ -12526,14 +12781,14 @@
           <a:effectLst/>
           <a:extLst>
             <a:ext uri="{909E8E84-426E-40dd-AFC4-6F175D3DCCD1}">
-              <a14:hiddenFill xmlns:a14="http://schemas.microsoft.com/office/drawing/2010/main" xmlns="">
+              <a14:hiddenFill xmlns="" xmlns:a14="http://schemas.microsoft.com/office/drawing/2010/main">
                 <a:solidFill>
                   <a:schemeClr val="accent1"/>
                 </a:solidFill>
               </a14:hiddenFill>
             </a:ext>
             <a:ext uri="{91240B29-F687-4f45-9708-019B960494DF}">
-              <a14:hiddenLine xmlns:a14="http://schemas.microsoft.com/office/drawing/2010/main" xmlns="" w="9525">
+              <a14:hiddenLine xmlns="" xmlns:a14="http://schemas.microsoft.com/office/drawing/2010/main" w="9525">
                 <a:solidFill>
                   <a:schemeClr val="tx1"/>
                 </a:solidFill>
@@ -12543,7 +12798,7 @@
               </a14:hiddenLine>
             </a:ext>
             <a:ext uri="{AF507438-7753-43e0-B8FC-AC1667EBCBE1}">
-              <a14:hiddenEffects xmlns:a14="http://schemas.microsoft.com/office/drawing/2010/main" xmlns="">
+              <a14:hiddenEffects xmlns="" xmlns:a14="http://schemas.microsoft.com/office/drawing/2010/main">
                 <a:effectLst>
                   <a:outerShdw dist="35921" dir="2700000" algn="ctr" rotWithShape="0">
                     <a:schemeClr val="bg2"/>
@@ -12696,7 +12951,117 @@
 </p:sld>
 </file>
 
-<file path=ppt/slides/slide39.xml><?xml version="1.0" encoding="utf-8"?>
+<file path=ppt/slides/slide4.xml><?xml version="1.0" encoding="utf-8"?>
+<p:sld xmlns:a="http://schemas.openxmlformats.org/drawingml/2006/main" xmlns:r="http://schemas.openxmlformats.org/officeDocument/2006/relationships" xmlns:p="http://schemas.openxmlformats.org/presentationml/2006/main">
+  <p:cSld>
+    <p:spTree>
+      <p:nvGrpSpPr>
+        <p:cNvPr id="1" name=""/>
+        <p:cNvGrpSpPr/>
+        <p:nvPr/>
+      </p:nvGrpSpPr>
+      <p:grpSpPr>
+        <a:xfrm>
+          <a:off x="0" y="0"/>
+          <a:ext cx="0" cy="0"/>
+          <a:chOff x="0" y="0"/>
+          <a:chExt cx="0" cy="0"/>
+        </a:xfrm>
+      </p:grpSpPr>
+      <p:sp>
+        <p:nvSpPr>
+          <p:cNvPr id="2" name="Title 1"/>
+          <p:cNvSpPr>
+            <a:spLocks noGrp="1"/>
+          </p:cNvSpPr>
+          <p:nvPr>
+            <p:ph type="title"/>
+          </p:nvPr>
+        </p:nvSpPr>
+        <p:spPr>
+          <a:solidFill>
+            <a:srgbClr val="8306FF"/>
+          </a:solidFill>
+        </p:spPr>
+        <p:txBody>
+          <a:bodyPr/>
+          <a:lstStyle/>
+          <a:p>
+            <a:r>
+              <a:rPr lang="en-US" dirty="0"/>
+              <a:t>All SFP Algorithms:</a:t>
+            </a:r>
+          </a:p>
+        </p:txBody>
+      </p:sp>
+      <p:sp>
+        <p:nvSpPr>
+          <p:cNvPr id="3" name="Content Placeholder 2"/>
+          <p:cNvSpPr>
+            <a:spLocks noGrp="1"/>
+          </p:cNvSpPr>
+          <p:nvPr>
+            <p:ph idx="1"/>
+          </p:nvPr>
+        </p:nvSpPr>
+        <p:spPr/>
+        <p:txBody>
+          <a:bodyPr>
+            <a:normAutofit/>
+          </a:bodyPr>
+          <a:lstStyle/>
+          <a:p>
+            <a:r>
+              <a:rPr lang="en-US" dirty="0"/>
+              <a:t>Rely on fast forward model: </a:t>
+            </a:r>
+          </a:p>
+          <a:p>
+            <a:r>
+              <a:rPr lang="en-GB" dirty="0"/>
+              <a:t>A</a:t>
+            </a:r>
+            <a:r>
+              <a:rPr lang="en-US" dirty="0" err="1"/>
+              <a:t>im</a:t>
+            </a:r>
+            <a:r>
+              <a:rPr lang="en-US" dirty="0"/>
+              <a:t> to run this around 2,000 ticks per decision</a:t>
+            </a:r>
+          </a:p>
+          <a:p>
+            <a:pPr lvl="1"/>
+            <a:r>
+              <a:rPr lang="en-US" sz="11500" b="1" dirty="0"/>
+              <a:t>F(</a:t>
+            </a:r>
+            <a:r>
+              <a:rPr lang="en-US" sz="11500" b="1" dirty="0" err="1"/>
+              <a:t>s,a</a:t>
+            </a:r>
+            <a:r>
+              <a:rPr lang="en-US" sz="11500" b="1" dirty="0"/>
+              <a:t>)-&gt; s’</a:t>
+            </a:r>
+            <a:endParaRPr lang="en-US" sz="5200" b="1" dirty="0"/>
+          </a:p>
+        </p:txBody>
+      </p:sp>
+    </p:spTree>
+    <p:extLst>
+      <p:ext uri="{BB962C8B-B14F-4D97-AF65-F5344CB8AC3E}">
+        <p14:creationId xmlns:p14="http://schemas.microsoft.com/office/powerpoint/2010/main" val="1716682935"/>
+      </p:ext>
+    </p:extLst>
+  </p:cSld>
+  <p:clrMapOvr>
+    <a:masterClrMapping/>
+  </p:clrMapOvr>
+</p:sld>
+</file>
+
+<file path=ppt/slides/slide40.xml><?xml version="1.0" encoding="utf-8"?>
 <p:sld xmlns:a="http://schemas.openxmlformats.org/drawingml/2006/main" xmlns:r="http://schemas.openxmlformats.org/officeDocument/2006/relationships" xmlns:p="http://schemas.openxmlformats.org/presentationml/2006/main">
   <p:cSld>
     <p:spTree>
@@ -12864,117 +13229,7 @@
 </p:sld>
 </file>
 
-<file path=ppt/slides/slide4.xml><?xml version="1.0" encoding="utf-8"?>
-<p:sld xmlns:a="http://schemas.openxmlformats.org/drawingml/2006/main" xmlns:r="http://schemas.openxmlformats.org/officeDocument/2006/relationships" xmlns:p="http://schemas.openxmlformats.org/presentationml/2006/main">
-  <p:cSld>
-    <p:spTree>
-      <p:nvGrpSpPr>
-        <p:cNvPr id="1" name=""/>
-        <p:cNvGrpSpPr/>
-        <p:nvPr/>
-      </p:nvGrpSpPr>
-      <p:grpSpPr>
-        <a:xfrm>
-          <a:off x="0" y="0"/>
-          <a:ext cx="0" cy="0"/>
-          <a:chOff x="0" y="0"/>
-          <a:chExt cx="0" cy="0"/>
-        </a:xfrm>
-      </p:grpSpPr>
-      <p:sp>
-        <p:nvSpPr>
-          <p:cNvPr id="2" name="Title 1"/>
-          <p:cNvSpPr>
-            <a:spLocks noGrp="1"/>
-          </p:cNvSpPr>
-          <p:nvPr>
-            <p:ph type="title"/>
-          </p:nvPr>
-        </p:nvSpPr>
-        <p:spPr>
-          <a:solidFill>
-            <a:srgbClr val="8306FF"/>
-          </a:solidFill>
-        </p:spPr>
-        <p:txBody>
-          <a:bodyPr/>
-          <a:lstStyle/>
-          <a:p>
-            <a:r>
-              <a:rPr lang="en-US" dirty="0"/>
-              <a:t>All SFP Algorithms:</a:t>
-            </a:r>
-          </a:p>
-        </p:txBody>
-      </p:sp>
-      <p:sp>
-        <p:nvSpPr>
-          <p:cNvPr id="3" name="Content Placeholder 2"/>
-          <p:cNvSpPr>
-            <a:spLocks noGrp="1"/>
-          </p:cNvSpPr>
-          <p:nvPr>
-            <p:ph idx="1"/>
-          </p:nvPr>
-        </p:nvSpPr>
-        <p:spPr/>
-        <p:txBody>
-          <a:bodyPr>
-            <a:normAutofit/>
-          </a:bodyPr>
-          <a:lstStyle/>
-          <a:p>
-            <a:r>
-              <a:rPr lang="en-US" dirty="0"/>
-              <a:t>Rely on fast forward model: </a:t>
-            </a:r>
-          </a:p>
-          <a:p>
-            <a:r>
-              <a:rPr lang="en-GB" dirty="0"/>
-              <a:t>A</a:t>
-            </a:r>
-            <a:r>
-              <a:rPr lang="en-US" dirty="0" err="1"/>
-              <a:t>im</a:t>
-            </a:r>
-            <a:r>
-              <a:rPr lang="en-US" dirty="0"/>
-              <a:t> to run this around 2,000 ticks per decision</a:t>
-            </a:r>
-          </a:p>
-          <a:p>
-            <a:pPr lvl="1"/>
-            <a:r>
-              <a:rPr lang="en-US" sz="11500" b="1" dirty="0"/>
-              <a:t>F(</a:t>
-            </a:r>
-            <a:r>
-              <a:rPr lang="en-US" sz="11500" b="1" dirty="0" err="1"/>
-              <a:t>s,a</a:t>
-            </a:r>
-            <a:r>
-              <a:rPr lang="en-US" sz="11500" b="1" dirty="0"/>
-              <a:t>)-&gt; s’</a:t>
-            </a:r>
-            <a:endParaRPr lang="en-US" sz="5200" b="1" dirty="0"/>
-          </a:p>
-        </p:txBody>
-      </p:sp>
-    </p:spTree>
-    <p:extLst>
-      <p:ext uri="{BB962C8B-B14F-4D97-AF65-F5344CB8AC3E}">
-        <p14:creationId xmlns:p14="http://schemas.microsoft.com/office/powerpoint/2010/main" val="1716682935"/>
-      </p:ext>
-    </p:extLst>
-  </p:cSld>
-  <p:clrMapOvr>
-    <a:masterClrMapping/>
-  </p:clrMapOvr>
-</p:sld>
-</file>
-
-<file path=ppt/slides/slide40.xml><?xml version="1.0" encoding="utf-8"?>
+<file path=ppt/slides/slide41.xml><?xml version="1.0" encoding="utf-8"?>
 <p:sld xmlns:a="http://schemas.openxmlformats.org/drawingml/2006/main" xmlns:r="http://schemas.openxmlformats.org/officeDocument/2006/relationships" xmlns:p="http://schemas.openxmlformats.org/presentationml/2006/main">
   <p:cSld>
     <p:spTree>
@@ -13107,14 +13362,14 @@
           </a:ln>
           <a:extLst>
             <a:ext uri="{909E8E84-426E-40dd-AFC4-6F175D3DCCD1}">
-              <a14:hiddenFill xmlns:a14="http://schemas.microsoft.com/office/drawing/2010/main" xmlns="">
+              <a14:hiddenFill xmlns="" xmlns:a14="http://schemas.microsoft.com/office/drawing/2010/main">
                 <a:solidFill>
                   <a:schemeClr val="accent1"/>
                 </a:solidFill>
               </a14:hiddenFill>
             </a:ext>
             <a:ext uri="{91240B29-F687-4f45-9708-019B960494DF}">
-              <a14:hiddenLine xmlns:a14="http://schemas.microsoft.com/office/drawing/2010/main" xmlns="" w="9525">
+              <a14:hiddenLine xmlns="" xmlns:a14="http://schemas.microsoft.com/office/drawing/2010/main" w="9525">
                 <a:solidFill>
                   <a:schemeClr val="tx1"/>
                 </a:solidFill>
@@ -13130,120 +13385,6 @@
     <p:extLst>
       <p:ext uri="{BB962C8B-B14F-4D97-AF65-F5344CB8AC3E}">
         <p14:creationId xmlns:p14="http://schemas.microsoft.com/office/powerpoint/2010/main" val="3052287180"/>
-      </p:ext>
-    </p:extLst>
-  </p:cSld>
-  <p:clrMapOvr>
-    <a:masterClrMapping/>
-  </p:clrMapOvr>
-</p:sld>
-</file>
-
-<file path=ppt/slides/slide41.xml><?xml version="1.0" encoding="utf-8"?>
-<p:sld xmlns:a="http://schemas.openxmlformats.org/drawingml/2006/main" xmlns:r="http://schemas.openxmlformats.org/officeDocument/2006/relationships" xmlns:p="http://schemas.openxmlformats.org/presentationml/2006/main">
-  <p:cSld>
-    <p:spTree>
-      <p:nvGrpSpPr>
-        <p:cNvPr id="1" name=""/>
-        <p:cNvGrpSpPr/>
-        <p:nvPr/>
-      </p:nvGrpSpPr>
-      <p:grpSpPr>
-        <a:xfrm>
-          <a:off x="0" y="0"/>
-          <a:ext cx="0" cy="0"/>
-          <a:chOff x="0" y="0"/>
-          <a:chExt cx="0" cy="0"/>
-        </a:xfrm>
-      </p:grpSpPr>
-      <p:sp>
-        <p:nvSpPr>
-          <p:cNvPr id="2" name="Title 1">
-            <a:extLst>
-              <a:ext uri="{FF2B5EF4-FFF2-40B4-BE49-F238E27FC236}">
-                <a16:creationId xmlns:a16="http://schemas.microsoft.com/office/drawing/2014/main" id="{99404D70-8F35-2648-B5B7-7C5ABCAADA42}"/>
-              </a:ext>
-            </a:extLst>
-          </p:cNvPr>
-          <p:cNvSpPr>
-            <a:spLocks noGrp="1"/>
-          </p:cNvSpPr>
-          <p:nvPr>
-            <p:ph type="title"/>
-          </p:nvPr>
-        </p:nvSpPr>
-        <p:spPr/>
-        <p:txBody>
-          <a:bodyPr/>
-          <a:lstStyle/>
-          <a:p>
-            <a:r>
-              <a:rPr lang="en-US" dirty="0"/>
-              <a:t>Coping with Long Reward Horizons II</a:t>
-            </a:r>
-          </a:p>
-        </p:txBody>
-      </p:sp>
-      <p:sp>
-        <p:nvSpPr>
-          <p:cNvPr id="3" name="Content Placeholder 2">
-            <a:extLst>
-              <a:ext uri="{FF2B5EF4-FFF2-40B4-BE49-F238E27FC236}">
-                <a16:creationId xmlns:a16="http://schemas.microsoft.com/office/drawing/2014/main" id="{E1A7A8AF-30E6-DB44-A0A0-7EFF15CEE585}"/>
-              </a:ext>
-            </a:extLst>
-          </p:cNvPr>
-          <p:cNvSpPr>
-            <a:spLocks noGrp="1"/>
-          </p:cNvSpPr>
-          <p:nvPr>
-            <p:ph idx="1"/>
-          </p:nvPr>
-        </p:nvSpPr>
-        <p:spPr/>
-        <p:txBody>
-          <a:bodyPr/>
-          <a:lstStyle/>
-          <a:p>
-            <a:r>
-              <a:rPr lang="en-US" dirty="0"/>
-              <a:t>Use Discount Factor</a:t>
-            </a:r>
-          </a:p>
-          <a:p>
-            <a:r>
-              <a:rPr lang="en-US" dirty="0"/>
-              <a:t>Discount the value of future rewards</a:t>
-            </a:r>
-          </a:p>
-          <a:p>
-            <a:pPr lvl="1"/>
-            <a:r>
-              <a:rPr lang="en-US" dirty="0"/>
-              <a:t>Rewards gained further into the future become worth less</a:t>
-            </a:r>
-          </a:p>
-          <a:p>
-            <a:pPr lvl="1"/>
-            <a:r>
-              <a:rPr lang="en-US" dirty="0"/>
-              <a:t>View the code in </a:t>
-            </a:r>
-            <a:r>
-              <a:rPr lang="en-US" dirty="0" err="1"/>
-              <a:t>SimpleEvoAgent</a:t>
-            </a:r>
-            <a:r>
-              <a:rPr lang="en-US" dirty="0"/>
-              <a:t> for this</a:t>
-            </a:r>
-          </a:p>
-        </p:txBody>
-      </p:sp>
-    </p:spTree>
-    <p:extLst>
-      <p:ext uri="{BB962C8B-B14F-4D97-AF65-F5344CB8AC3E}">
-        <p14:creationId xmlns:p14="http://schemas.microsoft.com/office/powerpoint/2010/main" val="3303101291"/>
       </p:ext>
     </p:extLst>
   </p:cSld>
@@ -13275,7 +13416,7 @@
           <p:cNvPr id="2" name="Title 1">
             <a:extLst>
               <a:ext uri="{FF2B5EF4-FFF2-40B4-BE49-F238E27FC236}">
-                <a16:creationId xmlns:a16="http://schemas.microsoft.com/office/drawing/2014/main" id="{A7F63FC3-57E5-0B45-9BB2-DE4F36B72F0B}"/>
+                <a16:creationId xmlns:a16="http://schemas.microsoft.com/office/drawing/2014/main" id="{99404D70-8F35-2648-B5B7-7C5ABCAADA42}"/>
               </a:ext>
             </a:extLst>
           </p:cNvPr>
@@ -13293,7 +13434,7 @@
           <a:p>
             <a:r>
               <a:rPr lang="en-US" dirty="0"/>
-              <a:t>SFP works amazingly well across a range of games</a:t>
+              <a:t>Coping with Long Reward Horizons II</a:t>
             </a:r>
           </a:p>
         </p:txBody>
@@ -13303,7 +13444,7 @@
           <p:cNvPr id="3" name="Content Placeholder 2">
             <a:extLst>
               <a:ext uri="{FF2B5EF4-FFF2-40B4-BE49-F238E27FC236}">
-                <a16:creationId xmlns:a16="http://schemas.microsoft.com/office/drawing/2014/main" id="{8087FBF4-B4EB-FF4C-A826-299946F36056}"/>
+                <a16:creationId xmlns:a16="http://schemas.microsoft.com/office/drawing/2014/main" id="{E1A7A8AF-30E6-DB44-A0A0-7EFF15CEE585}"/>
               </a:ext>
             </a:extLst>
           </p:cNvPr>
@@ -13321,19 +13462,35 @@
           <a:p>
             <a:r>
               <a:rPr lang="en-US" dirty="0"/>
-              <a:t>And plays games well IMMEDIATELY</a:t>
-            </a:r>
-          </a:p>
-          <a:p>
-            <a:r>
-              <a:rPr lang="en-US" dirty="0"/>
-              <a:t>No need to train for each game</a:t>
-            </a:r>
-          </a:p>
-          <a:p>
-            <a:r>
-              <a:rPr lang="en-US" dirty="0"/>
-              <a:t>Just needs the FORWARD MODEL (also called World Model, related to Digital Twin)</a:t>
+              <a:t>Use Discount Factor</a:t>
+            </a:r>
+          </a:p>
+          <a:p>
+            <a:r>
+              <a:rPr lang="en-US" dirty="0"/>
+              <a:t>Discount the value of future rewards</a:t>
+            </a:r>
+          </a:p>
+          <a:p>
+            <a:pPr lvl="1"/>
+            <a:r>
+              <a:rPr lang="en-US" dirty="0"/>
+              <a:t>Rewards gained further into the future become worth less</a:t>
+            </a:r>
+          </a:p>
+          <a:p>
+            <a:pPr lvl="1"/>
+            <a:r>
+              <a:rPr lang="en-US" dirty="0"/>
+              <a:t>View the code in </a:t>
+            </a:r>
+            <a:r>
+              <a:rPr lang="en-US" dirty="0" err="1"/>
+              <a:t>SimpleEvoAgent</a:t>
+            </a:r>
+            <a:r>
+              <a:rPr lang="en-US" dirty="0"/>
+              <a:t> for this</a:t>
             </a:r>
           </a:p>
         </p:txBody>
@@ -13341,7 +13498,7 @@
     </p:spTree>
     <p:extLst>
       <p:ext uri="{BB962C8B-B14F-4D97-AF65-F5344CB8AC3E}">
-        <p14:creationId xmlns:p14="http://schemas.microsoft.com/office/powerpoint/2010/main" val="1048518494"/>
+        <p14:creationId xmlns:p14="http://schemas.microsoft.com/office/powerpoint/2010/main" val="3303101291"/>
       </p:ext>
     </p:extLst>
   </p:cSld>
@@ -13373,7 +13530,7 @@
           <p:cNvPr id="2" name="Title 1">
             <a:extLst>
               <a:ext uri="{FF2B5EF4-FFF2-40B4-BE49-F238E27FC236}">
-                <a16:creationId xmlns:a16="http://schemas.microsoft.com/office/drawing/2014/main" id="{C0446FF0-B99B-7C4E-9E5F-9D16EB723E5C}"/>
+                <a16:creationId xmlns:a16="http://schemas.microsoft.com/office/drawing/2014/main" id="{A7F63FC3-57E5-0B45-9BB2-DE4F36B72F0B}"/>
               </a:ext>
             </a:extLst>
           </p:cNvPr>
@@ -13391,7 +13548,7 @@
           <a:p>
             <a:r>
               <a:rPr lang="en-US" dirty="0"/>
-              <a:t>What about learning a forward model?</a:t>
+              <a:t>SFP works amazingly well across a range of games</a:t>
             </a:r>
           </a:p>
         </p:txBody>
@@ -13401,7 +13558,7 @@
           <p:cNvPr id="3" name="Content Placeholder 2">
             <a:extLst>
               <a:ext uri="{FF2B5EF4-FFF2-40B4-BE49-F238E27FC236}">
-                <a16:creationId xmlns:a16="http://schemas.microsoft.com/office/drawing/2014/main" id="{8ABD3DB0-3643-2844-BEFC-8BFAC49F176B}"/>
+                <a16:creationId xmlns:a16="http://schemas.microsoft.com/office/drawing/2014/main" id="{8087FBF4-B4EB-FF4C-A826-299946F36056}"/>
               </a:ext>
             </a:extLst>
           </p:cNvPr>
@@ -13419,36 +13576,19 @@
           <a:p>
             <a:r>
               <a:rPr lang="en-US" dirty="0"/>
-              <a:t>Interesting work on this at DeepMind using variational auto-encoders</a:t>
-            </a:r>
-          </a:p>
-          <a:p>
-            <a:r>
-              <a:rPr lang="en-US" dirty="0"/>
-              <a:t>Also work in our group and Queen Mary</a:t>
-            </a:r>
-          </a:p>
-          <a:p>
-            <a:endParaRPr lang="en-US" dirty="0"/>
-          </a:p>
-          <a:p>
-            <a:r>
-              <a:rPr lang="en-US" dirty="0"/>
-              <a:t>What happens if we deliberately corrupt the model?</a:t>
-            </a:r>
-          </a:p>
-          <a:p>
-            <a:pPr lvl="1"/>
-            <a:r>
-              <a:rPr lang="en-US" dirty="0"/>
-              <a:t>we can set false parameter values</a:t>
-            </a:r>
-          </a:p>
-          <a:p>
-            <a:pPr lvl="1"/>
-            <a:r>
-              <a:rPr lang="en-US" dirty="0"/>
-              <a:t>and observe the effects</a:t>
+              <a:t>And plays games well IMMEDIATELY</a:t>
+            </a:r>
+          </a:p>
+          <a:p>
+            <a:r>
+              <a:rPr lang="en-US" dirty="0"/>
+              <a:t>No need to train for each game</a:t>
+            </a:r>
+          </a:p>
+          <a:p>
+            <a:r>
+              <a:rPr lang="en-US" dirty="0"/>
+              <a:t>Just needs the FORWARD MODEL (also called World Model, related to Digital Twin)</a:t>
             </a:r>
           </a:p>
         </p:txBody>
@@ -13456,7 +13596,7 @@
     </p:spTree>
     <p:extLst>
       <p:ext uri="{BB962C8B-B14F-4D97-AF65-F5344CB8AC3E}">
-        <p14:creationId xmlns:p14="http://schemas.microsoft.com/office/powerpoint/2010/main" val="1331619738"/>
+        <p14:creationId xmlns:p14="http://schemas.microsoft.com/office/powerpoint/2010/main" val="1048518494"/>
       </p:ext>
     </p:extLst>
   </p:cSld>
@@ -13488,6 +13628,121 @@
           <p:cNvPr id="2" name="Title 1">
             <a:extLst>
               <a:ext uri="{FF2B5EF4-FFF2-40B4-BE49-F238E27FC236}">
+                <a16:creationId xmlns:a16="http://schemas.microsoft.com/office/drawing/2014/main" id="{C0446FF0-B99B-7C4E-9E5F-9D16EB723E5C}"/>
+              </a:ext>
+            </a:extLst>
+          </p:cNvPr>
+          <p:cNvSpPr>
+            <a:spLocks noGrp="1"/>
+          </p:cNvSpPr>
+          <p:nvPr>
+            <p:ph type="title"/>
+          </p:nvPr>
+        </p:nvSpPr>
+        <p:spPr/>
+        <p:txBody>
+          <a:bodyPr/>
+          <a:lstStyle/>
+          <a:p>
+            <a:r>
+              <a:rPr lang="en-US" dirty="0"/>
+              <a:t>What about learning a forward model?</a:t>
+            </a:r>
+          </a:p>
+        </p:txBody>
+      </p:sp>
+      <p:sp>
+        <p:nvSpPr>
+          <p:cNvPr id="3" name="Content Placeholder 2">
+            <a:extLst>
+              <a:ext uri="{FF2B5EF4-FFF2-40B4-BE49-F238E27FC236}">
+                <a16:creationId xmlns:a16="http://schemas.microsoft.com/office/drawing/2014/main" id="{8ABD3DB0-3643-2844-BEFC-8BFAC49F176B}"/>
+              </a:ext>
+            </a:extLst>
+          </p:cNvPr>
+          <p:cNvSpPr>
+            <a:spLocks noGrp="1"/>
+          </p:cNvSpPr>
+          <p:nvPr>
+            <p:ph idx="1"/>
+          </p:nvPr>
+        </p:nvSpPr>
+        <p:spPr/>
+        <p:txBody>
+          <a:bodyPr/>
+          <a:lstStyle/>
+          <a:p>
+            <a:r>
+              <a:rPr lang="en-US" dirty="0"/>
+              <a:t>Interesting work on this at DeepMind using variational auto-encoders</a:t>
+            </a:r>
+          </a:p>
+          <a:p>
+            <a:r>
+              <a:rPr lang="en-US" dirty="0"/>
+              <a:t>Also work in our group and Queen Mary</a:t>
+            </a:r>
+          </a:p>
+          <a:p>
+            <a:endParaRPr lang="en-US" dirty="0"/>
+          </a:p>
+          <a:p>
+            <a:r>
+              <a:rPr lang="en-US" dirty="0"/>
+              <a:t>What happens if we deliberately corrupt the model?</a:t>
+            </a:r>
+          </a:p>
+          <a:p>
+            <a:pPr lvl="1"/>
+            <a:r>
+              <a:rPr lang="en-US" dirty="0"/>
+              <a:t>we can set false parameter values</a:t>
+            </a:r>
+          </a:p>
+          <a:p>
+            <a:pPr lvl="1"/>
+            <a:r>
+              <a:rPr lang="en-US" dirty="0"/>
+              <a:t>and observe the effects</a:t>
+            </a:r>
+          </a:p>
+        </p:txBody>
+      </p:sp>
+    </p:spTree>
+    <p:extLst>
+      <p:ext uri="{BB962C8B-B14F-4D97-AF65-F5344CB8AC3E}">
+        <p14:creationId xmlns:p14="http://schemas.microsoft.com/office/powerpoint/2010/main" val="1331619738"/>
+      </p:ext>
+    </p:extLst>
+  </p:cSld>
+  <p:clrMapOvr>
+    <a:masterClrMapping/>
+  </p:clrMapOvr>
+</p:sld>
+</file>
+
+<file path=ppt/slides/slide45.xml><?xml version="1.0" encoding="utf-8"?>
+<p:sld xmlns:a="http://schemas.openxmlformats.org/drawingml/2006/main" xmlns:r="http://schemas.openxmlformats.org/officeDocument/2006/relationships" xmlns:p="http://schemas.openxmlformats.org/presentationml/2006/main">
+  <p:cSld>
+    <p:spTree>
+      <p:nvGrpSpPr>
+        <p:cNvPr id="1" name=""/>
+        <p:cNvGrpSpPr/>
+        <p:nvPr/>
+      </p:nvGrpSpPr>
+      <p:grpSpPr>
+        <a:xfrm>
+          <a:off x="0" y="0"/>
+          <a:ext cx="0" cy="0"/>
+          <a:chOff x="0" y="0"/>
+          <a:chExt cx="0" cy="0"/>
+        </a:xfrm>
+      </p:grpSpPr>
+      <p:sp>
+        <p:nvSpPr>
+          <p:cNvPr id="2" name="Title 1">
+            <a:extLst>
+              <a:ext uri="{FF2B5EF4-FFF2-40B4-BE49-F238E27FC236}">
                 <a16:creationId xmlns:a16="http://schemas.microsoft.com/office/drawing/2014/main" id="{66516967-614C-984A-A426-95D07D9F92FC}"/>
               </a:ext>
             </a:extLst>
@@ -13593,7 +13848,7 @@
 </p:sld>
 </file>
 
-<file path=ppt/slides/slide45.xml><?xml version="1.0" encoding="utf-8"?>
+<file path=ppt/slides/slide46.xml><?xml version="1.0" encoding="utf-8"?>
 <p:sld xmlns:a="http://schemas.openxmlformats.org/drawingml/2006/main" xmlns:r="http://schemas.openxmlformats.org/officeDocument/2006/relationships" xmlns:p="http://schemas.openxmlformats.org/presentationml/2006/main">
   <p:cSld>
     <p:spTree>
@@ -13686,7 +13941,7 @@
 </p:sld>
 </file>
 
-<file path=ppt/slides/slide46.xml><?xml version="1.0" encoding="utf-8"?>
+<file path=ppt/slides/slide47.xml><?xml version="1.0" encoding="utf-8"?>
 <p:sld xmlns:a="http://schemas.openxmlformats.org/drawingml/2006/main" xmlns:r="http://schemas.openxmlformats.org/officeDocument/2006/relationships" xmlns:p="http://schemas.openxmlformats.org/presentationml/2006/main">
   <p:cSld>
     <p:spTree>
